--- a/slides/HCSS_2017/HCSS_2017.pptx
+++ b/slides/HCSS_2017/HCSS_2017.pptx
@@ -367,11 +367,11 @@
         </c:dLbls>
         <c:gapWidth val="150"/>
         <c:overlap val="100"/>
-        <c:axId val="1808424208"/>
-        <c:axId val="2054111424"/>
+        <c:axId val="-2004561696"/>
+        <c:axId val="-2004301424"/>
       </c:barChart>
       <c:catAx>
-        <c:axId val="1808424208"/>
+        <c:axId val="-2004561696"/>
         <c:scaling>
           <c:orientation val="minMax"/>
         </c:scaling>
@@ -414,7 +414,7 @@
             <a:endParaRPr lang="fr-FR"/>
           </a:p>
         </c:txPr>
-        <c:crossAx val="2054111424"/>
+        <c:crossAx val="-2004301424"/>
         <c:crosses val="autoZero"/>
         <c:auto val="1"/>
         <c:lblAlgn val="ctr"/>
@@ -422,7 +422,7 @@
         <c:noMultiLvlLbl val="0"/>
       </c:catAx>
       <c:valAx>
-        <c:axId val="2054111424"/>
+        <c:axId val="-2004301424"/>
         <c:scaling>
           <c:orientation val="minMax"/>
         </c:scaling>
@@ -473,7 +473,7 @@
             <a:endParaRPr lang="fr-FR"/>
           </a:p>
         </c:txPr>
-        <c:crossAx val="1808424208"/>
+        <c:crossAx val="-2004561696"/>
         <c:crosses val="autoZero"/>
         <c:crossBetween val="between"/>
       </c:valAx>
@@ -2741,6 +2741,13 @@
         </dgm:presLayoutVars>
       </dgm:prSet>
       <dgm:spPr/>
+      <dgm:t>
+        <a:bodyPr/>
+        <a:lstStyle/>
+        <a:p>
+          <a:endParaRPr lang="en-US"/>
+        </a:p>
+      </dgm:t>
     </dgm:pt>
     <dgm:pt modelId="{4BE4CC7D-46C1-EC48-A28F-EA3423B53A26}" type="pres">
       <dgm:prSet presAssocID="{53C17ED3-31E4-144C-BD83-97049AB09798}" presName="parTxOnlySpace" presStyleCnt="0"/>
@@ -2946,6 +2953,13 @@
         </dgm:presLayoutVars>
       </dgm:prSet>
       <dgm:spPr/>
+      <dgm:t>
+        <a:bodyPr/>
+        <a:lstStyle/>
+        <a:p>
+          <a:endParaRPr lang="en-US"/>
+        </a:p>
+      </dgm:t>
     </dgm:pt>
     <dgm:pt modelId="{4BE4CC7D-46C1-EC48-A28F-EA3423B53A26}" type="pres">
       <dgm:prSet presAssocID="{53C17ED3-31E4-144C-BD83-97049AB09798}" presName="parTxOnlySpace" presStyleCnt="0"/>
@@ -6327,7 +6341,7 @@
           <a:p>
             <a:fld id="{3862069E-068B-4607-B7F1-F057000853A5}" type="datetimeFigureOut">
               <a:rPr lang="en-US" smtClean="0"/>
-              <a:t>4/26/17</a:t>
+              <a:t>5/3/17</a:t>
             </a:fld>
             <a:endParaRPr lang="en-US"/>
           </a:p>
@@ -12257,7 +12271,6 @@
               <a:rPr lang="en-US" dirty="0" smtClean="0"/>
               <a:t> (NATS)</a:t>
             </a:r>
-            <a:endParaRPr lang="en-US" dirty="0" smtClean="0"/>
           </a:p>
         </p:txBody>
       </p:sp>
@@ -12645,7 +12658,7 @@
           <p:nvPr>
             <p:extLst>
               <p:ext uri="{D42A27DB-BD31-4B8C-83A1-F6EECF244321}">
-                <p14:modId xmlns:p14="http://schemas.microsoft.com/office/powerpoint/2010/main" val="1222288009"/>
+                <p14:modId xmlns:p14="http://schemas.microsoft.com/office/powerpoint/2010/main" val="966868788"/>
               </p:ext>
             </p:extLst>
           </p:nvPr>
@@ -12732,6 +12745,19 @@
                         </a:rPr>
                         <a:t>significant manual refactoring </a:t>
                       </a:r>
+                      <a:r>
+                        <a:rPr lang="en-US" sz="2400" b="0" baseline="0" dirty="0" smtClean="0">
+                          <a:solidFill>
+                            <a:schemeClr val="tx1"/>
+                          </a:solidFill>
+                        </a:rPr>
+                        <a:t>(several days)</a:t>
+                      </a:r>
+                      <a:endParaRPr lang="en-US" sz="2400" b="0" baseline="0" dirty="0" smtClean="0">
+                        <a:solidFill>
+                          <a:schemeClr val="tx1"/>
+                        </a:solidFill>
+                      </a:endParaRPr>
                     </a:p>
                     <a:p>
                       <a:r>
@@ -12889,21 +12915,8 @@
                             <a:schemeClr val="bg1"/>
                           </a:solidFill>
                         </a:rPr>
-                        <a:t> </a:t>
+                        <a:t> code generator</a:t>
                       </a:r>
-                      <a:r>
-                        <a:rPr lang="en-US" sz="2400" b="0" dirty="0" smtClean="0">
-                          <a:solidFill>
-                            <a:schemeClr val="bg1"/>
-                          </a:solidFill>
-                        </a:rPr>
-                        <a:t>code generator</a:t>
-                      </a:r>
-                      <a:endParaRPr lang="en-US" sz="2400" b="0" dirty="0" smtClean="0">
-                        <a:solidFill>
-                          <a:schemeClr val="bg1"/>
-                        </a:solidFill>
-                      </a:endParaRPr>
                     </a:p>
                     <a:p>
                       <a:r>
@@ -13030,7 +13043,15 @@
                             <a:schemeClr val="tx1"/>
                           </a:solidFill>
                         </a:rPr>
-                        <a:t>less than a day to reach Silver</a:t>
+                        <a:t>a few days to reach </a:t>
+                      </a:r>
+                      <a:r>
+                        <a:rPr lang="en-US" sz="2400" b="0" baseline="0" dirty="0" smtClean="0">
+                          <a:solidFill>
+                            <a:schemeClr val="tx1"/>
+                          </a:solidFill>
+                        </a:rPr>
+                        <a:t>Silver</a:t>
                       </a:r>
                     </a:p>
                     <a:p>
@@ -16127,8 +16148,8 @@
         </p:nvSpPr>
         <p:spPr>
           <a:xfrm>
-            <a:off x="838200" y="2383928"/>
-            <a:ext cx="10187763" cy="4154984"/>
+            <a:off x="838200" y="1964353"/>
+            <a:ext cx="10187763" cy="4893647"/>
           </a:xfrm>
           <a:prstGeom prst="rect">
             <a:avLst/>
@@ -16152,8 +16173,27 @@
           <a:p>
             <a:r>
               <a:rPr lang="en-US" sz="2400" dirty="0" smtClean="0"/>
-              <a:t>Every level implicitly builds on the lower levels</a:t>
-            </a:r>
+              <a:t>Every </a:t>
+            </a:r>
+            <a:r>
+              <a:rPr lang="en-US" sz="2400" dirty="0" smtClean="0"/>
+              <a:t>level implicitly builds on the lower </a:t>
+            </a:r>
+            <a:r>
+              <a:rPr lang="en-US" sz="2400" dirty="0" smtClean="0"/>
+              <a:t>levels</a:t>
+            </a:r>
+            <a:endParaRPr lang="en-US" sz="2400" dirty="0" smtClean="0"/>
+          </a:p>
+          <a:p>
+            <a:endParaRPr lang="en-US" sz="2400" dirty="0" smtClean="0"/>
+          </a:p>
+          <a:p>
+            <a:r>
+              <a:rPr lang="en-US" sz="2400" dirty="0" smtClean="0"/>
+              <a:t>Lower levels require lower costs/efforts</a:t>
+            </a:r>
+            <a:endParaRPr lang="en-US" sz="2400" dirty="0" smtClean="0"/>
           </a:p>
           <a:p>
             <a:endParaRPr lang="en-US" sz="2400" dirty="0"/>
@@ -16398,7 +16438,147 @@
             </a:pPr>
             <a:r>
               <a:rPr lang="fr-FR" sz="2400" dirty="0"/>
-              <a:t>SPARK blog and </a:t>
+              <a:t>SPARK </a:t>
+            </a:r>
+            <a:r>
+              <a:rPr lang="fr-FR" sz="2400" dirty="0" smtClean="0"/>
+              <a:t>adoption guidance</a:t>
+            </a:r>
+            <a:endParaRPr lang="fr-FR" sz="2400" dirty="0"/>
+          </a:p>
+          <a:p>
+            <a:pPr marL="0" indent="0" algn="ctr" fontAlgn="auto">
+              <a:lnSpc>
+                <a:spcPct val="100000"/>
+              </a:lnSpc>
+              <a:spcBef>
+                <a:spcPts val="0"/>
+              </a:spcBef>
+              <a:spcAft>
+                <a:spcPts val="0"/>
+              </a:spcAft>
+              <a:buClrTx/>
+              <a:buNone/>
+            </a:pPr>
+            <a:r>
+              <a:rPr lang="fr-FR" sz="2400" dirty="0" err="1" smtClean="0">
+                <a:solidFill>
+                  <a:srgbClr val="0070C0"/>
+                </a:solidFill>
+              </a:rPr>
+              <a:t>www.adacore.com</a:t>
+            </a:r>
+            <a:r>
+              <a:rPr lang="fr-FR" sz="2400" dirty="0" smtClean="0">
+                <a:solidFill>
+                  <a:srgbClr val="0070C0"/>
+                </a:solidFill>
+              </a:rPr>
+              <a:t>/</a:t>
+            </a:r>
+            <a:r>
+              <a:rPr lang="fr-FR" sz="2400" dirty="0" err="1" smtClean="0">
+                <a:solidFill>
+                  <a:srgbClr val="0070C0"/>
+                </a:solidFill>
+              </a:rPr>
+              <a:t>knowledge</a:t>
+            </a:r>
+            <a:r>
+              <a:rPr lang="fr-FR" sz="2400" dirty="0" smtClean="0">
+                <a:solidFill>
+                  <a:srgbClr val="0070C0"/>
+                </a:solidFill>
+              </a:rPr>
+              <a:t>/</a:t>
+            </a:r>
+            <a:r>
+              <a:rPr lang="fr-FR" sz="2400" dirty="0" err="1" smtClean="0">
+                <a:solidFill>
+                  <a:srgbClr val="0070C0"/>
+                </a:solidFill>
+              </a:rPr>
+              <a:t>technical-papers</a:t>
+            </a:r>
+            <a:r>
+              <a:rPr lang="fr-FR" sz="2400" dirty="0" smtClean="0">
+                <a:solidFill>
+                  <a:srgbClr val="0070C0"/>
+                </a:solidFill>
+              </a:rPr>
+              <a:t>/</a:t>
+            </a:r>
+            <a:r>
+              <a:rPr lang="fr-FR" sz="2400" dirty="0" err="1" smtClean="0">
+                <a:solidFill>
+                  <a:srgbClr val="0070C0"/>
+                </a:solidFill>
+              </a:rPr>
+              <a:t>implementation</a:t>
+            </a:r>
+            <a:r>
+              <a:rPr lang="fr-FR" sz="2400" dirty="0" smtClean="0">
+                <a:solidFill>
+                  <a:srgbClr val="0070C0"/>
+                </a:solidFill>
+              </a:rPr>
+              <a:t>-guidance-</a:t>
+            </a:r>
+            <a:r>
+              <a:rPr lang="fr-FR" sz="2400" dirty="0" err="1" smtClean="0">
+                <a:solidFill>
+                  <a:srgbClr val="0070C0"/>
+                </a:solidFill>
+              </a:rPr>
+              <a:t>spark</a:t>
+            </a:r>
+            <a:endParaRPr lang="fr-FR" sz="2400" dirty="0" smtClean="0">
+              <a:solidFill>
+                <a:srgbClr val="0070C0"/>
+              </a:solidFill>
+            </a:endParaRPr>
+          </a:p>
+          <a:p>
+            <a:pPr marL="0" indent="0" algn="ctr" fontAlgn="auto">
+              <a:lnSpc>
+                <a:spcPct val="100000"/>
+              </a:lnSpc>
+              <a:spcBef>
+                <a:spcPts val="0"/>
+              </a:spcBef>
+              <a:spcAft>
+                <a:spcPts val="0"/>
+              </a:spcAft>
+              <a:buClrTx/>
+              <a:buNone/>
+            </a:pPr>
+            <a:endParaRPr lang="en-US" sz="2400" u="sng" dirty="0">
+              <a:solidFill>
+                <a:srgbClr val="0070C0"/>
+              </a:solidFill>
+            </a:endParaRPr>
+          </a:p>
+          <a:p>
+            <a:pPr marL="0" lvl="0" indent="0" fontAlgn="auto">
+              <a:lnSpc>
+                <a:spcPct val="100000"/>
+              </a:lnSpc>
+              <a:spcBef>
+                <a:spcPts val="0"/>
+              </a:spcBef>
+              <a:spcAft>
+                <a:spcPts val="0"/>
+              </a:spcAft>
+              <a:buClrTx/>
+              <a:buNone/>
+            </a:pPr>
+            <a:r>
+              <a:rPr lang="fr-FR" sz="2400" dirty="0" smtClean="0"/>
+              <a:t>SPARK </a:t>
+            </a:r>
+            <a:r>
+              <a:rPr lang="fr-FR" sz="2400" dirty="0"/>
+              <a:t>blog and </a:t>
             </a:r>
             <a:r>
               <a:rPr lang="fr-FR" sz="2400" dirty="0" err="1"/>
@@ -16500,12 +16680,20 @@
               <a:buNone/>
             </a:pPr>
             <a:r>
+              <a:rPr lang="en-US" sz="2400" dirty="0" smtClean="0">
+                <a:solidFill>
+                  <a:srgbClr val="0070C0"/>
+                </a:solidFill>
+              </a:rPr>
+              <a:t>http</a:t>
+            </a:r>
+            <a:r>
               <a:rPr lang="en-US" sz="2400" dirty="0">
                 <a:solidFill>
                   <a:srgbClr val="0070C0"/>
                 </a:solidFill>
               </a:rPr>
-              <a:t>http://u.adacore.com</a:t>
+              <a:t>://u.adacore.com</a:t>
             </a:r>
             <a:endParaRPr lang="en-US" sz="2400" u="sng" dirty="0">
               <a:solidFill>

--- a/slides/HCSS_2017/HCSS_2017.pptx
+++ b/slides/HCSS_2017/HCSS_2017.pptx
@@ -12658,7 +12658,7 @@
           <p:nvPr>
             <p:extLst>
               <p:ext uri="{D42A27DB-BD31-4B8C-83A1-F6EECF244321}">
-                <p14:modId xmlns:p14="http://schemas.microsoft.com/office/powerpoint/2010/main" val="966868788"/>
+                <p14:modId xmlns:p14="http://schemas.microsoft.com/office/powerpoint/2010/main" val="394972701"/>
               </p:ext>
             </p:extLst>
           </p:nvPr>
@@ -13043,7 +13043,7 @@
                             <a:schemeClr val="tx1"/>
                           </a:solidFill>
                         </a:rPr>
-                        <a:t>a few days to reach </a:t>
+                        <a:t>one day to reach </a:t>
                       </a:r>
                       <a:r>
                         <a:rPr lang="en-US" sz="2400" b="0" baseline="0" dirty="0" smtClean="0">
@@ -13071,7 +13071,15 @@
                             <a:schemeClr val="tx1"/>
                           </a:solidFill>
                         </a:rPr>
-                        <a:t>a day to reach Gold</a:t>
+                        <a:t>four days </a:t>
+                      </a:r>
+                      <a:r>
+                        <a:rPr lang="en-US" sz="2400" b="0" baseline="0" dirty="0" smtClean="0">
+                          <a:solidFill>
+                            <a:schemeClr val="tx1"/>
+                          </a:solidFill>
+                        </a:rPr>
+                        <a:t>to reach Gold</a:t>
                       </a:r>
                     </a:p>
                   </a:txBody>

--- a/slides/HCSS_2017/HCSS_2017.pptx
+++ b/slides/HCSS_2017/HCSS_2017.pptx
@@ -367,11 +367,11 @@
         </c:dLbls>
         <c:gapWidth val="150"/>
         <c:overlap val="100"/>
-        <c:axId val="-2004561696"/>
-        <c:axId val="-2004301424"/>
+        <c:axId val="-2003143488"/>
+        <c:axId val="-2103528128"/>
       </c:barChart>
       <c:catAx>
-        <c:axId val="-2004561696"/>
+        <c:axId val="-2003143488"/>
         <c:scaling>
           <c:orientation val="minMax"/>
         </c:scaling>
@@ -414,7 +414,7 @@
             <a:endParaRPr lang="fr-FR"/>
           </a:p>
         </c:txPr>
-        <c:crossAx val="-2004301424"/>
+        <c:crossAx val="-2103528128"/>
         <c:crosses val="autoZero"/>
         <c:auto val="1"/>
         <c:lblAlgn val="ctr"/>
@@ -422,7 +422,7 @@
         <c:noMultiLvlLbl val="0"/>
       </c:catAx>
       <c:valAx>
-        <c:axId val="-2004301424"/>
+        <c:axId val="-2103528128"/>
         <c:scaling>
           <c:orientation val="minMax"/>
         </c:scaling>
@@ -473,7 +473,7 @@
             <a:endParaRPr lang="fr-FR"/>
           </a:p>
         </c:txPr>
-        <c:crossAx val="-2004561696"/>
+        <c:crossAx val="-2003143488"/>
         <c:crosses val="autoZero"/>
         <c:crossBetween val="between"/>
       </c:valAx>
@@ -6341,7 +6341,7 @@
           <a:p>
             <a:fld id="{3862069E-068B-4607-B7F1-F057000853A5}" type="datetimeFigureOut">
               <a:rPr lang="en-US" smtClean="0"/>
-              <a:t>5/3/17</a:t>
+              <a:t>5/4/17</a:t>
             </a:fld>
             <a:endParaRPr lang="en-US"/>
           </a:p>
@@ -12743,21 +12743,8 @@
                             <a:schemeClr val="tx1"/>
                           </a:solidFill>
                         </a:rPr>
-                        <a:t>significant manual refactoring </a:t>
+                        <a:t>significant manual refactoring (several days)</a:t>
                       </a:r>
-                      <a:r>
-                        <a:rPr lang="en-US" sz="2400" b="0" baseline="0" dirty="0" smtClean="0">
-                          <a:solidFill>
-                            <a:schemeClr val="tx1"/>
-                          </a:solidFill>
-                        </a:rPr>
-                        <a:t>(several days)</a:t>
-                      </a:r>
-                      <a:endParaRPr lang="en-US" sz="2400" b="0" baseline="0" dirty="0" smtClean="0">
-                        <a:solidFill>
-                          <a:schemeClr val="tx1"/>
-                        </a:solidFill>
-                      </a:endParaRPr>
                     </a:p>
                     <a:p>
                       <a:r>
@@ -13043,15 +13030,7 @@
                             <a:schemeClr val="tx1"/>
                           </a:solidFill>
                         </a:rPr>
-                        <a:t>one day to reach </a:t>
-                      </a:r>
-                      <a:r>
-                        <a:rPr lang="en-US" sz="2400" b="0" baseline="0" dirty="0" smtClean="0">
-                          <a:solidFill>
-                            <a:schemeClr val="tx1"/>
-                          </a:solidFill>
-                        </a:rPr>
-                        <a:t>Silver</a:t>
+                        <a:t>one day to reach Silver</a:t>
                       </a:r>
                     </a:p>
                     <a:p>
@@ -13071,15 +13050,7 @@
                             <a:schemeClr val="tx1"/>
                           </a:solidFill>
                         </a:rPr>
-                        <a:t>four days </a:t>
-                      </a:r>
-                      <a:r>
-                        <a:rPr lang="en-US" sz="2400" b="0" baseline="0" dirty="0" smtClean="0">
-                          <a:solidFill>
-                            <a:schemeClr val="tx1"/>
-                          </a:solidFill>
-                        </a:rPr>
-                        <a:t>to reach Gold</a:t>
+                        <a:t>four days to reach Gold</a:t>
                       </a:r>
                     </a:p>
                   </a:txBody>
@@ -13250,7 +13221,7 @@
         <p:spPr>
           <a:xfrm>
             <a:off x="4095749" y="2400300"/>
-            <a:ext cx="10187763" cy="3416320"/>
+            <a:ext cx="10187763" cy="3785652"/>
           </a:xfrm>
           <a:prstGeom prst="rect">
             <a:avLst/>
@@ -13275,7 +13246,21 @@
             </a:pPr>
             <a:r>
               <a:rPr lang="en-US" sz="2400" dirty="0" smtClean="0"/>
-              <a:t>Setup and tool usage</a:t>
+              <a:t>Benefits, Impact on process, Costs and limitations</a:t>
+            </a:r>
+          </a:p>
+          <a:p>
+            <a:pPr marL="742950" lvl="1" indent="-285750">
+              <a:buFont typeface="Arial" charset="0"/>
+              <a:buChar char="•"/>
+            </a:pPr>
+            <a:r>
+              <a:rPr lang="en-US" sz="2400" dirty="0" smtClean="0"/>
+              <a:t>Setup </a:t>
+            </a:r>
+            <a:r>
+              <a:rPr lang="en-US" sz="2400" dirty="0" smtClean="0"/>
+              <a:t>and tool usage</a:t>
             </a:r>
           </a:p>
           <a:p>
@@ -16181,17 +16166,8 @@
           <a:p>
             <a:r>
               <a:rPr lang="en-US" sz="2400" dirty="0" smtClean="0"/>
-              <a:t>Every </a:t>
-            </a:r>
-            <a:r>
-              <a:rPr lang="en-US" sz="2400" dirty="0" smtClean="0"/>
-              <a:t>level implicitly builds on the lower </a:t>
-            </a:r>
-            <a:r>
-              <a:rPr lang="en-US" sz="2400" dirty="0" smtClean="0"/>
-              <a:t>levels</a:t>
-            </a:r>
-            <a:endParaRPr lang="en-US" sz="2400" dirty="0" smtClean="0"/>
+              <a:t>Every level implicitly builds on the lower levels</a:t>
+            </a:r>
           </a:p>
           <a:p>
             <a:endParaRPr lang="en-US" sz="2400" dirty="0" smtClean="0"/>
@@ -16201,7 +16177,6 @@
               <a:rPr lang="en-US" sz="2400" dirty="0" smtClean="0"/>
               <a:t>Lower levels require lower costs/efforts</a:t>
             </a:r>
-            <a:endParaRPr lang="en-US" sz="2400" dirty="0" smtClean="0"/>
           </a:p>
           <a:p>
             <a:endParaRPr lang="en-US" sz="2400" dirty="0"/>

--- a/slides/HCSS_2017/HCSS_2017.pptx
+++ b/slides/HCSS_2017/HCSS_2017.pptx
@@ -5,7 +5,7 @@
     <p:sldMasterId id="2147483702" r:id="rId1"/>
   </p:sldMasterIdLst>
   <p:notesMasterIdLst>
-    <p:notesMasterId r:id="rId26"/>
+    <p:notesMasterId r:id="rId27"/>
   </p:notesMasterIdLst>
   <p:sldIdLst>
     <p:sldId id="256" r:id="rId2"/>
@@ -23,15 +23,16 @@
     <p:sldId id="294" r:id="rId14"/>
     <p:sldId id="302" r:id="rId15"/>
     <p:sldId id="285" r:id="rId16"/>
-    <p:sldId id="295" r:id="rId17"/>
-    <p:sldId id="296" r:id="rId18"/>
-    <p:sldId id="297" r:id="rId19"/>
-    <p:sldId id="303" r:id="rId20"/>
-    <p:sldId id="298" r:id="rId21"/>
-    <p:sldId id="305" r:id="rId22"/>
-    <p:sldId id="292" r:id="rId23"/>
-    <p:sldId id="306" r:id="rId24"/>
-    <p:sldId id="286" r:id="rId25"/>
+    <p:sldId id="308" r:id="rId17"/>
+    <p:sldId id="295" r:id="rId18"/>
+    <p:sldId id="296" r:id="rId19"/>
+    <p:sldId id="297" r:id="rId20"/>
+    <p:sldId id="303" r:id="rId21"/>
+    <p:sldId id="298" r:id="rId22"/>
+    <p:sldId id="305" r:id="rId23"/>
+    <p:sldId id="292" r:id="rId24"/>
+    <p:sldId id="306" r:id="rId25"/>
+    <p:sldId id="286" r:id="rId26"/>
   </p:sldIdLst>
   <p:sldSz cx="12192000" cy="6858000"/>
   <p:notesSz cx="6858000" cy="9144000"/>
@@ -367,11 +368,11 @@
         </c:dLbls>
         <c:gapWidth val="150"/>
         <c:overlap val="100"/>
-        <c:axId val="-2003143488"/>
-        <c:axId val="-2103528128"/>
+        <c:axId val="2054012224"/>
+        <c:axId val="-1998411040"/>
       </c:barChart>
       <c:catAx>
-        <c:axId val="-2003143488"/>
+        <c:axId val="2054012224"/>
         <c:scaling>
           <c:orientation val="minMax"/>
         </c:scaling>
@@ -414,7 +415,7 @@
             <a:endParaRPr lang="fr-FR"/>
           </a:p>
         </c:txPr>
-        <c:crossAx val="-2103528128"/>
+        <c:crossAx val="-1998411040"/>
         <c:crosses val="autoZero"/>
         <c:auto val="1"/>
         <c:lblAlgn val="ctr"/>
@@ -422,7 +423,7 @@
         <c:noMultiLvlLbl val="0"/>
       </c:catAx>
       <c:valAx>
-        <c:axId val="-2103528128"/>
+        <c:axId val="-1998411040"/>
         <c:scaling>
           <c:orientation val="minMax"/>
         </c:scaling>
@@ -473,7 +474,7 @@
             <a:endParaRPr lang="fr-FR"/>
           </a:p>
         </c:txPr>
-        <c:crossAx val="-2003143488"/>
+        <c:crossAx val="2054012224"/>
         <c:crosses val="autoZero"/>
         <c:crossBetween val="between"/>
       </c:valAx>
@@ -6341,7 +6342,7 @@
           <a:p>
             <a:fld id="{3862069E-068B-4607-B7F1-F057000853A5}" type="datetimeFigureOut">
               <a:rPr lang="en-US" smtClean="0"/>
-              <a:t>5/4/17</a:t>
+              <a:t>5/5/17</a:t>
             </a:fld>
             <a:endParaRPr lang="en-US"/>
           </a:p>
@@ -13256,11 +13257,7 @@
             </a:pPr>
             <a:r>
               <a:rPr lang="en-US" sz="2400" dirty="0" smtClean="0"/>
-              <a:t>Setup </a:t>
-            </a:r>
-            <a:r>
-              <a:rPr lang="en-US" sz="2400" dirty="0" smtClean="0"/>
-              <a:t>and tool usage</a:t>
+              <a:t>Setup and tool usage</a:t>
             </a:r>
           </a:p>
           <a:p>
@@ -13475,6 +13472,464 @@
 </file>
 
 <file path=ppt/slides/slide16.xml><?xml version="1.0" encoding="utf-8"?>
+<p:sld xmlns:a="http://schemas.openxmlformats.org/drawingml/2006/main" xmlns:r="http://schemas.openxmlformats.org/officeDocument/2006/relationships" xmlns:p="http://schemas.openxmlformats.org/presentationml/2006/main">
+  <p:cSld>
+    <p:spTree>
+      <p:nvGrpSpPr>
+        <p:cNvPr id="1" name=""/>
+        <p:cNvGrpSpPr/>
+        <p:nvPr/>
+      </p:nvGrpSpPr>
+      <p:grpSpPr>
+        <a:xfrm>
+          <a:off x="0" y="0"/>
+          <a:ext cx="0" cy="0"/>
+          <a:chOff x="0" y="0"/>
+          <a:chExt cx="0" cy="0"/>
+        </a:xfrm>
+      </p:grpSpPr>
+      <p:sp>
+        <p:nvSpPr>
+          <p:cNvPr id="5" name="ZoneTexte 4"/>
+          <p:cNvSpPr txBox="1"/>
+          <p:nvPr/>
+        </p:nvSpPr>
+        <p:spPr>
+          <a:xfrm>
+            <a:off x="681036" y="2056428"/>
+            <a:ext cx="10187763" cy="3785652"/>
+          </a:xfrm>
+          <a:prstGeom prst="rect">
+            <a:avLst/>
+          </a:prstGeom>
+          <a:noFill/>
+        </p:spPr>
+        <p:txBody>
+          <a:bodyPr wrap="square" rtlCol="0">
+            <a:spAutoFit/>
+          </a:bodyPr>
+          <a:lstStyle/>
+          <a:p>
+            <a:r>
+              <a:rPr lang="en-US" sz="2400" dirty="0" err="1" smtClean="0">
+                <a:latin typeface="Courier New" charset="0"/>
+                <a:ea typeface="Courier New" charset="0"/>
+                <a:cs typeface="Courier New" charset="0"/>
+              </a:rPr>
+              <a:t>SPARK_Mode</a:t>
+            </a:r>
+            <a:r>
+              <a:rPr lang="en-US" sz="2400" dirty="0" smtClean="0">
+                <a:latin typeface="Courier New" charset="0"/>
+                <a:ea typeface="Courier New" charset="0"/>
+                <a:cs typeface="Courier New" charset="0"/>
+              </a:rPr>
+              <a:t> =&gt; On</a:t>
+            </a:r>
+          </a:p>
+          <a:p>
+            <a:pPr marL="742950" lvl="1" indent="-285750">
+              <a:buFont typeface="Arial" charset="0"/>
+              <a:buChar char="•"/>
+            </a:pPr>
+            <a:r>
+              <a:rPr lang="en-US" sz="2400" dirty="0" smtClean="0"/>
+              <a:t>Ada types, expressions, statements, subprograms</a:t>
+            </a:r>
+          </a:p>
+          <a:p>
+            <a:pPr marL="742950" lvl="1" indent="-285750">
+              <a:buFont typeface="Arial" charset="0"/>
+              <a:buChar char="•"/>
+            </a:pPr>
+            <a:endParaRPr lang="en-US" sz="2400" dirty="0" smtClean="0"/>
+          </a:p>
+          <a:p>
+            <a:pPr lvl="2"/>
+            <a:r>
+              <a:rPr lang="en-US" sz="2400" dirty="0" err="1" smtClean="0">
+                <a:latin typeface="Courier New" charset="0"/>
+                <a:ea typeface="Courier New" charset="0"/>
+                <a:cs typeface="Courier New" charset="0"/>
+              </a:rPr>
+              <a:t>SPARK_Mode</a:t>
+            </a:r>
+            <a:r>
+              <a:rPr lang="en-US" sz="2400" dirty="0" smtClean="0">
+                <a:latin typeface="Courier New" charset="0"/>
+                <a:ea typeface="Courier New" charset="0"/>
+                <a:cs typeface="Courier New" charset="0"/>
+              </a:rPr>
+              <a:t> =&gt; Off</a:t>
+            </a:r>
+          </a:p>
+          <a:p>
+            <a:pPr marL="1714500" lvl="3" indent="-342900">
+              <a:buFont typeface="Arial" charset="0"/>
+              <a:buChar char="•"/>
+            </a:pPr>
+            <a:r>
+              <a:rPr lang="en-US" sz="2400" dirty="0" smtClean="0"/>
+              <a:t>Ada pointers</a:t>
+            </a:r>
+          </a:p>
+          <a:p>
+            <a:pPr marL="1714500" lvl="3" indent="-342900">
+              <a:buFont typeface="Arial" charset="0"/>
+              <a:buChar char="•"/>
+            </a:pPr>
+            <a:r>
+              <a:rPr lang="en-US" sz="2400" dirty="0" smtClean="0"/>
+              <a:t>Ada exception handlers</a:t>
+            </a:r>
+          </a:p>
+          <a:p>
+            <a:pPr marL="1714500" lvl="3" indent="-342900">
+              <a:buFont typeface="Arial" charset="0"/>
+              <a:buChar char="•"/>
+            </a:pPr>
+            <a:endParaRPr lang="en-US" sz="2400" dirty="0" smtClean="0"/>
+          </a:p>
+          <a:p>
+            <a:pPr marL="742950" lvl="1" indent="-285750">
+              <a:buFont typeface="Arial" charset="0"/>
+              <a:buChar char="•"/>
+            </a:pPr>
+            <a:r>
+              <a:rPr lang="en-US" sz="2400" dirty="0" smtClean="0"/>
+              <a:t>Ada generics</a:t>
+            </a:r>
+          </a:p>
+          <a:p>
+            <a:pPr marL="742950" lvl="1" indent="-285750">
+              <a:buFont typeface="Arial" charset="0"/>
+              <a:buChar char="•"/>
+            </a:pPr>
+            <a:r>
+              <a:rPr lang="en-US" sz="2400" dirty="0" smtClean="0"/>
+              <a:t>Ada object orientation</a:t>
+            </a:r>
+          </a:p>
+          <a:p>
+            <a:pPr marL="742950" lvl="1" indent="-285750">
+              <a:buFont typeface="Arial" charset="0"/>
+              <a:buChar char="•"/>
+            </a:pPr>
+            <a:r>
+              <a:rPr lang="en-US" sz="2400" dirty="0" smtClean="0"/>
+              <a:t>Ada </a:t>
+            </a:r>
+            <a:r>
+              <a:rPr lang="en-US" sz="2400" dirty="0" smtClean="0"/>
+              <a:t>concurrency</a:t>
+            </a:r>
+            <a:endParaRPr lang="en-US" sz="2400" dirty="0" smtClean="0"/>
+          </a:p>
+        </p:txBody>
+      </p:sp>
+      <p:sp>
+        <p:nvSpPr>
+          <p:cNvPr id="8" name="ZoneTexte 7"/>
+          <p:cNvSpPr txBox="1"/>
+          <p:nvPr/>
+        </p:nvSpPr>
+        <p:spPr>
+          <a:xfrm>
+            <a:off x="681036" y="2056428"/>
+            <a:ext cx="10187763" cy="3785652"/>
+          </a:xfrm>
+          <a:prstGeom prst="rect">
+            <a:avLst/>
+          </a:prstGeom>
+          <a:noFill/>
+        </p:spPr>
+        <p:txBody>
+          <a:bodyPr wrap="square" rtlCol="0">
+            <a:spAutoFit/>
+          </a:bodyPr>
+          <a:lstStyle/>
+          <a:p>
+            <a:r>
+              <a:rPr lang="en-US" sz="2400" dirty="0" err="1" smtClean="0">
+                <a:latin typeface="Courier New" charset="0"/>
+                <a:ea typeface="Courier New" charset="0"/>
+                <a:cs typeface="Courier New" charset="0"/>
+              </a:rPr>
+              <a:t>SPARK_Mode</a:t>
+            </a:r>
+            <a:r>
+              <a:rPr lang="en-US" sz="2400" dirty="0" smtClean="0">
+                <a:latin typeface="Courier New" charset="0"/>
+                <a:ea typeface="Courier New" charset="0"/>
+                <a:cs typeface="Courier New" charset="0"/>
+              </a:rPr>
+              <a:t> =&gt; On</a:t>
+            </a:r>
+          </a:p>
+          <a:p>
+            <a:pPr marL="742950" lvl="1" indent="-285750">
+              <a:buFont typeface="Arial" charset="0"/>
+              <a:buChar char="•"/>
+            </a:pPr>
+            <a:r>
+              <a:rPr lang="en-US" sz="2400" dirty="0" smtClean="0"/>
+              <a:t>Ada types, expressions, statements, subprograms</a:t>
+            </a:r>
+          </a:p>
+          <a:p>
+            <a:pPr marL="742950" lvl="1" indent="-285750">
+              <a:buFont typeface="Arial" charset="0"/>
+              <a:buChar char="•"/>
+            </a:pPr>
+            <a:endParaRPr lang="en-US" sz="2400" dirty="0" smtClean="0"/>
+          </a:p>
+          <a:p>
+            <a:pPr lvl="2"/>
+            <a:r>
+              <a:rPr lang="en-US" sz="2400" dirty="0" err="1" smtClean="0">
+                <a:latin typeface="Courier New" charset="0"/>
+                <a:ea typeface="Courier New" charset="0"/>
+                <a:cs typeface="Courier New" charset="0"/>
+              </a:rPr>
+              <a:t>SPARK_Mode</a:t>
+            </a:r>
+            <a:r>
+              <a:rPr lang="en-US" sz="2400" dirty="0" smtClean="0">
+                <a:latin typeface="Courier New" charset="0"/>
+                <a:ea typeface="Courier New" charset="0"/>
+                <a:cs typeface="Courier New" charset="0"/>
+              </a:rPr>
+              <a:t> =&gt; Off</a:t>
+            </a:r>
+          </a:p>
+          <a:p>
+            <a:pPr marL="1714500" lvl="3" indent="-342900">
+              <a:buFont typeface="Arial" charset="0"/>
+              <a:buChar char="•"/>
+            </a:pPr>
+            <a:r>
+              <a:rPr lang="en-US" sz="2400" dirty="0" smtClean="0"/>
+              <a:t>Ada pointers</a:t>
+            </a:r>
+          </a:p>
+          <a:p>
+            <a:pPr marL="1714500" lvl="3" indent="-342900">
+              <a:buFont typeface="Arial" charset="0"/>
+              <a:buChar char="•"/>
+            </a:pPr>
+            <a:r>
+              <a:rPr lang="en-US" sz="2400" dirty="0" smtClean="0"/>
+              <a:t>Ada exception handlers</a:t>
+            </a:r>
+          </a:p>
+          <a:p>
+            <a:pPr marL="1714500" lvl="3" indent="-342900">
+              <a:buFont typeface="Arial" charset="0"/>
+              <a:buChar char="•"/>
+            </a:pPr>
+            <a:endParaRPr lang="en-US" sz="2400" dirty="0" smtClean="0"/>
+          </a:p>
+          <a:p>
+            <a:pPr marL="742950" lvl="1" indent="-285750">
+              <a:buFont typeface="Arial" charset="0"/>
+              <a:buChar char="•"/>
+            </a:pPr>
+            <a:r>
+              <a:rPr lang="en-US" sz="2400" dirty="0" smtClean="0"/>
+              <a:t>Ada generics</a:t>
+            </a:r>
+          </a:p>
+          <a:p>
+            <a:pPr marL="742950" lvl="1" indent="-285750">
+              <a:buFont typeface="Arial" charset="0"/>
+              <a:buChar char="•"/>
+            </a:pPr>
+            <a:r>
+              <a:rPr lang="en-US" sz="2400" dirty="0" smtClean="0"/>
+              <a:t>Ada object orientation</a:t>
+            </a:r>
+          </a:p>
+          <a:p>
+            <a:pPr marL="742950" lvl="1" indent="-285750">
+              <a:buFont typeface="Arial" charset="0"/>
+              <a:buChar char="•"/>
+            </a:pPr>
+            <a:r>
+              <a:rPr lang="en-US" sz="2400" dirty="0" smtClean="0"/>
+              <a:t>Ada concurrency</a:t>
+            </a:r>
+          </a:p>
+        </p:txBody>
+      </p:sp>
+      <p:sp>
+        <p:nvSpPr>
+          <p:cNvPr id="2" name="Titre 1"/>
+          <p:cNvSpPr>
+            <a:spLocks noGrp="1"/>
+          </p:cNvSpPr>
+          <p:nvPr>
+            <p:ph type="title"/>
+          </p:nvPr>
+        </p:nvSpPr>
+        <p:spPr/>
+        <p:txBody>
+          <a:bodyPr/>
+          <a:lstStyle/>
+          <a:p>
+            <a:r>
+              <a:rPr lang="en-US" dirty="0" smtClean="0"/>
+              <a:t>Stone Level </a:t>
+            </a:r>
+            <a:r>
+              <a:rPr lang="mr-IN" dirty="0" smtClean="0"/>
+              <a:t>–</a:t>
+            </a:r>
+            <a:r>
+              <a:rPr lang="en-US" dirty="0" smtClean="0"/>
+              <a:t> Large Language Subset</a:t>
+            </a:r>
+            <a:endParaRPr lang="en-US" dirty="0"/>
+          </a:p>
+        </p:txBody>
+      </p:sp>
+      <p:sp>
+        <p:nvSpPr>
+          <p:cNvPr id="3" name="Espace réservé de la date 2"/>
+          <p:cNvSpPr>
+            <a:spLocks noGrp="1"/>
+          </p:cNvSpPr>
+          <p:nvPr>
+            <p:ph type="dt" sz="half" idx="10"/>
+          </p:nvPr>
+        </p:nvSpPr>
+        <p:spPr/>
+        <p:txBody>
+          <a:bodyPr/>
+          <a:lstStyle/>
+          <a:p>
+            <a:r>
+              <a:rPr lang="fr-FR" smtClean="0"/>
+              <a:t>08/05/2017</a:t>
+            </a:r>
+            <a:endParaRPr lang="fr-FR"/>
+          </a:p>
+        </p:txBody>
+      </p:sp>
+      <p:sp>
+        <p:nvSpPr>
+          <p:cNvPr id="4" name="Espace réservé du numéro de diapositive 3"/>
+          <p:cNvSpPr>
+            <a:spLocks noGrp="1"/>
+          </p:cNvSpPr>
+          <p:nvPr>
+            <p:ph type="sldNum" sz="quarter" idx="12"/>
+          </p:nvPr>
+        </p:nvSpPr>
+        <p:spPr/>
+        <p:txBody>
+          <a:bodyPr/>
+          <a:lstStyle/>
+          <a:p>
+            <a:fld id="{C9355402-0690-4A79-A082-001A68712055}" type="slidenum">
+              <a:rPr lang="fr-FR" smtClean="0"/>
+              <a:t>16</a:t>
+            </a:fld>
+            <a:endParaRPr lang="fr-FR"/>
+          </a:p>
+        </p:txBody>
+      </p:sp>
+    </p:spTree>
+    <p:extLst>
+      <p:ext uri="{BB962C8B-B14F-4D97-AF65-F5344CB8AC3E}">
+        <p14:creationId xmlns:p14="http://schemas.microsoft.com/office/powerpoint/2010/main" val="1400235180"/>
+      </p:ext>
+    </p:extLst>
+  </p:cSld>
+  <p:clrMapOvr>
+    <a:masterClrMapping/>
+  </p:clrMapOvr>
+  <p:timing>
+    <p:tnLst>
+      <p:par>
+        <p:cTn id="1" dur="indefinite" restart="never" nodeType="tmRoot">
+          <p:childTnLst>
+            <p:seq concurrent="1" nextAc="seek">
+              <p:cTn id="2" dur="indefinite" nodeType="mainSeq">
+                <p:childTnLst>
+                  <p:par>
+                    <p:cTn id="3" fill="hold">
+                      <p:stCondLst>
+                        <p:cond delay="indefinite"/>
+                      </p:stCondLst>
+                      <p:childTnLst>
+                        <p:par>
+                          <p:cTn id="4" fill="hold">
+                            <p:stCondLst>
+                              <p:cond delay="0"/>
+                            </p:stCondLst>
+                            <p:childTnLst>
+                              <p:par>
+                                <p:cTn id="5" presetID="1" presetClass="exit" presetSubtype="0" fill="hold" grpId="0" nodeType="clickEffect">
+                                  <p:stCondLst>
+                                    <p:cond delay="0"/>
+                                  </p:stCondLst>
+                                  <p:childTnLst>
+                                    <p:set>
+                                      <p:cBhvr>
+                                        <p:cTn id="6" dur="1" fill="hold">
+                                          <p:stCondLst>
+                                            <p:cond delay="0"/>
+                                          </p:stCondLst>
+                                        </p:cTn>
+                                        <p:tgtEl>
+                                          <p:spTgt spid="8"/>
+                                        </p:tgtEl>
+                                        <p:attrNameLst>
+                                          <p:attrName>style.visibility</p:attrName>
+                                        </p:attrNameLst>
+                                      </p:cBhvr>
+                                      <p:to>
+                                        <p:strVal val="hidden"/>
+                                      </p:to>
+                                    </p:set>
+                                  </p:childTnLst>
+                                </p:cTn>
+                              </p:par>
+                            </p:childTnLst>
+                          </p:cTn>
+                        </p:par>
+                      </p:childTnLst>
+                    </p:cTn>
+                  </p:par>
+                </p:childTnLst>
+              </p:cTn>
+              <p:prevCondLst>
+                <p:cond evt="onPrev" delay="0">
+                  <p:tgtEl>
+                    <p:sldTgt/>
+                  </p:tgtEl>
+                </p:cond>
+              </p:prevCondLst>
+              <p:nextCondLst>
+                <p:cond evt="onNext" delay="0">
+                  <p:tgtEl>
+                    <p:sldTgt/>
+                  </p:tgtEl>
+                </p:cond>
+              </p:nextCondLst>
+            </p:seq>
+          </p:childTnLst>
+        </p:cTn>
+      </p:par>
+    </p:tnLst>
+    <p:bldLst>
+      <p:bldP spid="8" grpId="0"/>
+    </p:bldLst>
+  </p:timing>
+</p:sld>
+</file>
+
+<file path=ppt/slides/slide17.xml><?xml version="1.0" encoding="utf-8"?>
 <p:sld xmlns:a="http://schemas.openxmlformats.org/drawingml/2006/main" xmlns:r="http://schemas.openxmlformats.org/officeDocument/2006/relationships" xmlns:p="http://schemas.openxmlformats.org/presentationml/2006/main">
   <p:cSld>
     <p:spTree>
@@ -13955,7 +14410,7 @@
           <a:p>
             <a:fld id="{C9355402-0690-4A79-A082-001A68712055}" type="slidenum">
               <a:rPr lang="fr-FR" smtClean="0"/>
-              <a:t>16</a:t>
+              <a:t>17</a:t>
             </a:fld>
             <a:endParaRPr lang="fr-FR"/>
           </a:p>
@@ -14079,7 +14534,7 @@
 </p:sld>
 </file>
 
-<file path=ppt/slides/slide17.xml><?xml version="1.0" encoding="utf-8"?>
+<file path=ppt/slides/slide18.xml><?xml version="1.0" encoding="utf-8"?>
 <p:sld xmlns:a="http://schemas.openxmlformats.org/drawingml/2006/main" xmlns:r="http://schemas.openxmlformats.org/officeDocument/2006/relationships" xmlns:p="http://schemas.openxmlformats.org/presentationml/2006/main">
   <p:cSld>
     <p:spTree>
@@ -14167,7 +14622,7 @@
           <a:p>
             <a:fld id="{C9355402-0690-4A79-A082-001A68712055}" type="slidenum">
               <a:rPr lang="fr-FR" smtClean="0"/>
-              <a:t>17</a:t>
+              <a:t>18</a:t>
             </a:fld>
             <a:endParaRPr lang="fr-FR"/>
           </a:p>
@@ -14489,7 +14944,7 @@
 </p:sld>
 </file>
 
-<file path=ppt/slides/slide18.xml><?xml version="1.0" encoding="utf-8"?>
+<file path=ppt/slides/slide19.xml><?xml version="1.0" encoding="utf-8"?>
 <p:sld xmlns:a="http://schemas.openxmlformats.org/drawingml/2006/main" xmlns:r="http://schemas.openxmlformats.org/officeDocument/2006/relationships" xmlns:p="http://schemas.openxmlformats.org/presentationml/2006/main">
   <p:cSld>
     <p:spTree>
@@ -14577,7 +15032,7 @@
           <a:p>
             <a:fld id="{C9355402-0690-4A79-A082-001A68712055}" type="slidenum">
               <a:rPr lang="fr-FR" smtClean="0"/>
-              <a:t>18</a:t>
+              <a:t>19</a:t>
             </a:fld>
             <a:endParaRPr lang="fr-FR"/>
           </a:p>
@@ -14633,7 +15088,173 @@
 </p:sld>
 </file>
 
-<file path=ppt/slides/slide19.xml><?xml version="1.0" encoding="utf-8"?>
+<file path=ppt/slides/slide2.xml><?xml version="1.0" encoding="utf-8"?>
+<p:sld xmlns:a="http://schemas.openxmlformats.org/drawingml/2006/main" xmlns:r="http://schemas.openxmlformats.org/officeDocument/2006/relationships" xmlns:p="http://schemas.openxmlformats.org/presentationml/2006/main">
+  <p:cSld>
+    <p:spTree>
+      <p:nvGrpSpPr>
+        <p:cNvPr id="1" name=""/>
+        <p:cNvGrpSpPr/>
+        <p:nvPr/>
+      </p:nvGrpSpPr>
+      <p:grpSpPr>
+        <a:xfrm>
+          <a:off x="0" y="0"/>
+          <a:ext cx="0" cy="0"/>
+          <a:chOff x="0" y="0"/>
+          <a:chExt cx="0" cy="0"/>
+        </a:xfrm>
+      </p:grpSpPr>
+      <p:graphicFrame>
+        <p:nvGraphicFramePr>
+          <p:cNvPr id="7" name="Diagramme 6"/>
+          <p:cNvGraphicFramePr/>
+          <p:nvPr>
+            <p:extLst>
+              <p:ext uri="{D42A27DB-BD31-4B8C-83A1-F6EECF244321}">
+                <p14:modId xmlns:p14="http://schemas.microsoft.com/office/powerpoint/2010/main" val="680123862"/>
+              </p:ext>
+            </p:extLst>
+          </p:nvPr>
+        </p:nvGraphicFramePr>
+        <p:xfrm>
+          <a:off x="2032000" y="2452773"/>
+          <a:ext cx="8128000" cy="5418667"/>
+        </p:xfrm>
+        <a:graphic>
+          <a:graphicData uri="http://schemas.openxmlformats.org/drawingml/2006/diagram">
+            <dgm:relIds xmlns:dgm="http://schemas.openxmlformats.org/drawingml/2006/diagram" xmlns:r="http://schemas.openxmlformats.org/officeDocument/2006/relationships" r:dm="rId3" r:lo="rId4" r:qs="rId5" r:cs="rId6"/>
+          </a:graphicData>
+        </a:graphic>
+      </p:graphicFrame>
+      <p:sp>
+        <p:nvSpPr>
+          <p:cNvPr id="2" name="Titre 1"/>
+          <p:cNvSpPr>
+            <a:spLocks noGrp="1"/>
+          </p:cNvSpPr>
+          <p:nvPr>
+            <p:ph type="title"/>
+          </p:nvPr>
+        </p:nvSpPr>
+        <p:spPr/>
+        <p:txBody>
+          <a:bodyPr/>
+          <a:lstStyle/>
+          <a:p>
+            <a:r>
+              <a:rPr lang="en-US" dirty="0" smtClean="0"/>
+              <a:t>SPARK </a:t>
+            </a:r>
+            <a:r>
+              <a:rPr lang="mr-IN" dirty="0" smtClean="0"/>
+              <a:t>–</a:t>
+            </a:r>
+            <a:r>
+              <a:rPr lang="en-US" dirty="0" smtClean="0"/>
+              <a:t> Flow Analysis</a:t>
+            </a:r>
+            <a:endParaRPr lang="en-US" dirty="0"/>
+          </a:p>
+        </p:txBody>
+      </p:sp>
+      <p:sp>
+        <p:nvSpPr>
+          <p:cNvPr id="3" name="Espace réservé de la date 2"/>
+          <p:cNvSpPr>
+            <a:spLocks noGrp="1"/>
+          </p:cNvSpPr>
+          <p:nvPr>
+            <p:ph type="dt" sz="half" idx="10"/>
+          </p:nvPr>
+        </p:nvSpPr>
+        <p:spPr/>
+        <p:txBody>
+          <a:bodyPr/>
+          <a:lstStyle/>
+          <a:p>
+            <a:r>
+              <a:rPr lang="fr-FR" dirty="0" smtClean="0"/>
+              <a:t>08/05/2017</a:t>
+            </a:r>
+            <a:endParaRPr lang="fr-FR" dirty="0"/>
+          </a:p>
+        </p:txBody>
+      </p:sp>
+      <p:sp>
+        <p:nvSpPr>
+          <p:cNvPr id="4" name="Espace réservé du numéro de diapositive 3"/>
+          <p:cNvSpPr>
+            <a:spLocks noGrp="1"/>
+          </p:cNvSpPr>
+          <p:nvPr>
+            <p:ph type="sldNum" sz="quarter" idx="12"/>
+          </p:nvPr>
+        </p:nvSpPr>
+        <p:spPr/>
+        <p:txBody>
+          <a:bodyPr/>
+          <a:lstStyle/>
+          <a:p>
+            <a:fld id="{C9355402-0690-4A79-A082-001A68712055}" type="slidenum">
+              <a:rPr lang="fr-FR" smtClean="0"/>
+              <a:t>2</a:t>
+            </a:fld>
+            <a:endParaRPr lang="fr-FR"/>
+          </a:p>
+        </p:txBody>
+      </p:sp>
+      <p:pic>
+        <p:nvPicPr>
+          <p:cNvPr id="6" name="Image 5"/>
+          <p:cNvPicPr>
+            <a:picLocks noChangeAspect="1"/>
+          </p:cNvPicPr>
+          <p:nvPr/>
+        </p:nvPicPr>
+        <p:blipFill>
+          <a:blip r:embed="rId8">
+            <a:extLst>
+              <a:ext uri="{28A0092B-C50C-407E-A947-70E740481C1C}">
+                <a14:useLocalDpi xmlns:a14="http://schemas.microsoft.com/office/drawing/2010/main" val="0"/>
+              </a:ext>
+            </a:extLst>
+          </a:blip>
+          <a:stretch>
+            <a:fillRect/>
+          </a:stretch>
+        </p:blipFill>
+        <p:spPr>
+          <a:xfrm>
+            <a:off x="1123950" y="2341895"/>
+            <a:ext cx="8289320" cy="1628447"/>
+          </a:xfrm>
+          <a:prstGeom prst="rect">
+            <a:avLst/>
+          </a:prstGeom>
+        </p:spPr>
+      </p:pic>
+    </p:spTree>
+    <p:extLst>
+      <p:ext uri="{BB962C8B-B14F-4D97-AF65-F5344CB8AC3E}">
+        <p14:creationId xmlns:p14="http://schemas.microsoft.com/office/powerpoint/2010/main" val="3968874903"/>
+      </p:ext>
+    </p:extLst>
+  </p:cSld>
+  <p:clrMapOvr>
+    <a:masterClrMapping/>
+  </p:clrMapOvr>
+  <p:timing>
+    <p:tnLst>
+      <p:par>
+        <p:cTn id="1" dur="indefinite" restart="never" nodeType="tmRoot"/>
+      </p:par>
+    </p:tnLst>
+  </p:timing>
+</p:sld>
+</file>
+
+<file path=ppt/slides/slide20.xml><?xml version="1.0" encoding="utf-8"?>
 <p:sld xmlns:a="http://schemas.openxmlformats.org/drawingml/2006/main" xmlns:r="http://schemas.openxmlformats.org/officeDocument/2006/relationships" xmlns:p="http://schemas.openxmlformats.org/presentationml/2006/main">
   <p:cSld>
     <p:spTree>
@@ -14721,7 +15342,7 @@
           <a:p>
             <a:fld id="{C9355402-0690-4A79-A082-001A68712055}" type="slidenum">
               <a:rPr lang="fr-FR" smtClean="0"/>
-              <a:t>19</a:t>
+              <a:t>20</a:t>
             </a:fld>
             <a:endParaRPr lang="fr-FR"/>
           </a:p>
@@ -14883,173 +15504,7 @@
 </p:sld>
 </file>
 
-<file path=ppt/slides/slide2.xml><?xml version="1.0" encoding="utf-8"?>
-<p:sld xmlns:a="http://schemas.openxmlformats.org/drawingml/2006/main" xmlns:r="http://schemas.openxmlformats.org/officeDocument/2006/relationships" xmlns:p="http://schemas.openxmlformats.org/presentationml/2006/main">
-  <p:cSld>
-    <p:spTree>
-      <p:nvGrpSpPr>
-        <p:cNvPr id="1" name=""/>
-        <p:cNvGrpSpPr/>
-        <p:nvPr/>
-      </p:nvGrpSpPr>
-      <p:grpSpPr>
-        <a:xfrm>
-          <a:off x="0" y="0"/>
-          <a:ext cx="0" cy="0"/>
-          <a:chOff x="0" y="0"/>
-          <a:chExt cx="0" cy="0"/>
-        </a:xfrm>
-      </p:grpSpPr>
-      <p:graphicFrame>
-        <p:nvGraphicFramePr>
-          <p:cNvPr id="7" name="Diagramme 6"/>
-          <p:cNvGraphicFramePr/>
-          <p:nvPr>
-            <p:extLst>
-              <p:ext uri="{D42A27DB-BD31-4B8C-83A1-F6EECF244321}">
-                <p14:modId xmlns:p14="http://schemas.microsoft.com/office/powerpoint/2010/main" val="680123862"/>
-              </p:ext>
-            </p:extLst>
-          </p:nvPr>
-        </p:nvGraphicFramePr>
-        <p:xfrm>
-          <a:off x="2032000" y="2452773"/>
-          <a:ext cx="8128000" cy="5418667"/>
-        </p:xfrm>
-        <a:graphic>
-          <a:graphicData uri="http://schemas.openxmlformats.org/drawingml/2006/diagram">
-            <dgm:relIds xmlns:dgm="http://schemas.openxmlformats.org/drawingml/2006/diagram" xmlns:r="http://schemas.openxmlformats.org/officeDocument/2006/relationships" r:dm="rId3" r:lo="rId4" r:qs="rId5" r:cs="rId6"/>
-          </a:graphicData>
-        </a:graphic>
-      </p:graphicFrame>
-      <p:sp>
-        <p:nvSpPr>
-          <p:cNvPr id="2" name="Titre 1"/>
-          <p:cNvSpPr>
-            <a:spLocks noGrp="1"/>
-          </p:cNvSpPr>
-          <p:nvPr>
-            <p:ph type="title"/>
-          </p:nvPr>
-        </p:nvSpPr>
-        <p:spPr/>
-        <p:txBody>
-          <a:bodyPr/>
-          <a:lstStyle/>
-          <a:p>
-            <a:r>
-              <a:rPr lang="en-US" dirty="0" smtClean="0"/>
-              <a:t>SPARK </a:t>
-            </a:r>
-            <a:r>
-              <a:rPr lang="mr-IN" dirty="0" smtClean="0"/>
-              <a:t>–</a:t>
-            </a:r>
-            <a:r>
-              <a:rPr lang="en-US" dirty="0" smtClean="0"/>
-              <a:t> Flow Analysis</a:t>
-            </a:r>
-            <a:endParaRPr lang="en-US" dirty="0"/>
-          </a:p>
-        </p:txBody>
-      </p:sp>
-      <p:sp>
-        <p:nvSpPr>
-          <p:cNvPr id="3" name="Espace réservé de la date 2"/>
-          <p:cNvSpPr>
-            <a:spLocks noGrp="1"/>
-          </p:cNvSpPr>
-          <p:nvPr>
-            <p:ph type="dt" sz="half" idx="10"/>
-          </p:nvPr>
-        </p:nvSpPr>
-        <p:spPr/>
-        <p:txBody>
-          <a:bodyPr/>
-          <a:lstStyle/>
-          <a:p>
-            <a:r>
-              <a:rPr lang="fr-FR" dirty="0" smtClean="0"/>
-              <a:t>08/05/2017</a:t>
-            </a:r>
-            <a:endParaRPr lang="fr-FR" dirty="0"/>
-          </a:p>
-        </p:txBody>
-      </p:sp>
-      <p:sp>
-        <p:nvSpPr>
-          <p:cNvPr id="4" name="Espace réservé du numéro de diapositive 3"/>
-          <p:cNvSpPr>
-            <a:spLocks noGrp="1"/>
-          </p:cNvSpPr>
-          <p:nvPr>
-            <p:ph type="sldNum" sz="quarter" idx="12"/>
-          </p:nvPr>
-        </p:nvSpPr>
-        <p:spPr/>
-        <p:txBody>
-          <a:bodyPr/>
-          <a:lstStyle/>
-          <a:p>
-            <a:fld id="{C9355402-0690-4A79-A082-001A68712055}" type="slidenum">
-              <a:rPr lang="fr-FR" smtClean="0"/>
-              <a:t>2</a:t>
-            </a:fld>
-            <a:endParaRPr lang="fr-FR"/>
-          </a:p>
-        </p:txBody>
-      </p:sp>
-      <p:pic>
-        <p:nvPicPr>
-          <p:cNvPr id="6" name="Image 5"/>
-          <p:cNvPicPr>
-            <a:picLocks noChangeAspect="1"/>
-          </p:cNvPicPr>
-          <p:nvPr/>
-        </p:nvPicPr>
-        <p:blipFill>
-          <a:blip r:embed="rId8">
-            <a:extLst>
-              <a:ext uri="{28A0092B-C50C-407E-A947-70E740481C1C}">
-                <a14:useLocalDpi xmlns:a14="http://schemas.microsoft.com/office/drawing/2010/main" val="0"/>
-              </a:ext>
-            </a:extLst>
-          </a:blip>
-          <a:stretch>
-            <a:fillRect/>
-          </a:stretch>
-        </p:blipFill>
-        <p:spPr>
-          <a:xfrm>
-            <a:off x="1123950" y="2341895"/>
-            <a:ext cx="8289320" cy="1628447"/>
-          </a:xfrm>
-          <a:prstGeom prst="rect">
-            <a:avLst/>
-          </a:prstGeom>
-        </p:spPr>
-      </p:pic>
-    </p:spTree>
-    <p:extLst>
-      <p:ext uri="{BB962C8B-B14F-4D97-AF65-F5344CB8AC3E}">
-        <p14:creationId xmlns:p14="http://schemas.microsoft.com/office/powerpoint/2010/main" val="3968874903"/>
-      </p:ext>
-    </p:extLst>
-  </p:cSld>
-  <p:clrMapOvr>
-    <a:masterClrMapping/>
-  </p:clrMapOvr>
-  <p:timing>
-    <p:tnLst>
-      <p:par>
-        <p:cTn id="1" dur="indefinite" restart="never" nodeType="tmRoot"/>
-      </p:par>
-    </p:tnLst>
-  </p:timing>
-</p:sld>
-</file>
-
-<file path=ppt/slides/slide20.xml><?xml version="1.0" encoding="utf-8"?>
+<file path=ppt/slides/slide21.xml><?xml version="1.0" encoding="utf-8"?>
 <p:sld xmlns:a="http://schemas.openxmlformats.org/drawingml/2006/main" xmlns:r="http://schemas.openxmlformats.org/officeDocument/2006/relationships" xmlns:p="http://schemas.openxmlformats.org/presentationml/2006/main">
   <p:cSld>
     <p:spTree>
@@ -15139,7 +15594,7 @@
           <a:p>
             <a:fld id="{C9355402-0690-4A79-A082-001A68712055}" type="slidenum">
               <a:rPr lang="fr-FR" smtClean="0"/>
-              <a:t>20</a:t>
+              <a:t>21</a:t>
             </a:fld>
             <a:endParaRPr lang="fr-FR"/>
           </a:p>
@@ -15657,15 +16112,28 @@
           <a:p>
             <a:r>
               <a:rPr lang="en-US" sz="2400" dirty="0" smtClean="0"/>
-              <a:t>Example: Functional correctness of red-black trees (FM 2017)</a:t>
+              <a:t>Example: Functional correctness of red-black trees </a:t>
+            </a:r>
+            <a:r>
+              <a:rPr lang="en-US" sz="2400" dirty="0" smtClean="0"/>
+              <a:t>(NFM </a:t>
+            </a:r>
+            <a:r>
+              <a:rPr lang="en-US" sz="2400" dirty="0" smtClean="0"/>
+              <a:t>2017)</a:t>
             </a:r>
             <a:endParaRPr lang="en-US" sz="2400" dirty="0"/>
           </a:p>
           <a:p>
             <a:r>
               <a:rPr lang="en-US" sz="2400" dirty="0" smtClean="0"/>
-              <a:t>target: Gold level</a:t>
-            </a:r>
+              <a:t>target: </a:t>
+            </a:r>
+            <a:r>
+              <a:rPr lang="en-US" sz="2400" dirty="0" smtClean="0"/>
+              <a:t>Platinum level</a:t>
+            </a:r>
+            <a:endParaRPr lang="en-US" sz="2400" dirty="0" smtClean="0"/>
           </a:p>
           <a:p>
             <a:endParaRPr lang="en-US" sz="2400" dirty="0"/>
@@ -15784,7 +16252,7 @@
 </p:sld>
 </file>
 
-<file path=ppt/slides/slide21.xml><?xml version="1.0" encoding="utf-8"?>
+<file path=ppt/slides/slide22.xml><?xml version="1.0" encoding="utf-8"?>
 <p:sld xmlns:a="http://schemas.openxmlformats.org/drawingml/2006/main" xmlns:r="http://schemas.openxmlformats.org/officeDocument/2006/relationships" xmlns:p="http://schemas.openxmlformats.org/presentationml/2006/main">
   <p:cSld>
     <p:spTree>
@@ -15874,7 +16342,7 @@
           <a:p>
             <a:fld id="{C9355402-0690-4A79-A082-001A68712055}" type="slidenum">
               <a:rPr lang="fr-FR" smtClean="0"/>
-              <a:t>21</a:t>
+              <a:t>22</a:t>
             </a:fld>
             <a:endParaRPr lang="fr-FR"/>
           </a:p>
@@ -15922,7 +16390,7 @@
 </p:sld>
 </file>
 
-<file path=ppt/slides/slide22.xml><?xml version="1.0" encoding="utf-8"?>
+<file path=ppt/slides/slide23.xml><?xml version="1.0" encoding="utf-8"?>
 <p:sld xmlns:a="http://schemas.openxmlformats.org/drawingml/2006/main" xmlns:r="http://schemas.openxmlformats.org/officeDocument/2006/relationships" xmlns:p="http://schemas.openxmlformats.org/presentationml/2006/main">
   <p:cSld>
     <p:spTree>
@@ -16021,7 +16489,7 @@
             <a:fld id="{C9355402-0690-4A79-A082-001A68712055}" type="slidenum">
               <a:rPr lang="fr-FR" smtClean="0"/>
               <a:pPr/>
-              <a:t>22</a:t>
+              <a:t>23</a:t>
             </a:fld>
             <a:endParaRPr lang="fr-FR" dirty="0"/>
           </a:p>
@@ -16031,193 +16499,6 @@
     <p:extLst>
       <p:ext uri="{BB962C8B-B14F-4D97-AF65-F5344CB8AC3E}">
         <p14:creationId xmlns:p14="http://schemas.microsoft.com/office/powerpoint/2010/main" val="172198013"/>
-      </p:ext>
-    </p:extLst>
-  </p:cSld>
-  <p:clrMapOvr>
-    <a:masterClrMapping/>
-  </p:clrMapOvr>
-  <p:timing>
-    <p:tnLst>
-      <p:par>
-        <p:cTn id="1" dur="indefinite" restart="never" nodeType="tmRoot"/>
-      </p:par>
-    </p:tnLst>
-  </p:timing>
-</p:sld>
-</file>
-
-<file path=ppt/slides/slide23.xml><?xml version="1.0" encoding="utf-8"?>
-<p:sld xmlns:a="http://schemas.openxmlformats.org/drawingml/2006/main" xmlns:r="http://schemas.openxmlformats.org/officeDocument/2006/relationships" xmlns:p="http://schemas.openxmlformats.org/presentationml/2006/main">
-  <p:cSld>
-    <p:spTree>
-      <p:nvGrpSpPr>
-        <p:cNvPr id="1" name=""/>
-        <p:cNvGrpSpPr/>
-        <p:nvPr/>
-      </p:nvGrpSpPr>
-      <p:grpSpPr>
-        <a:xfrm>
-          <a:off x="0" y="0"/>
-          <a:ext cx="0" cy="0"/>
-          <a:chOff x="0" y="0"/>
-          <a:chExt cx="0" cy="0"/>
-        </a:xfrm>
-      </p:grpSpPr>
-      <p:sp>
-        <p:nvSpPr>
-          <p:cNvPr id="2" name="Titre 1"/>
-          <p:cNvSpPr>
-            <a:spLocks noGrp="1"/>
-          </p:cNvSpPr>
-          <p:nvPr>
-            <p:ph type="title"/>
-          </p:nvPr>
-        </p:nvSpPr>
-        <p:spPr/>
-        <p:txBody>
-          <a:bodyPr/>
-          <a:lstStyle/>
-          <a:p>
-            <a:r>
-              <a:rPr lang="en-US" dirty="0" smtClean="0"/>
-              <a:t>Levels of Software Assurance</a:t>
-            </a:r>
-            <a:endParaRPr lang="en-US" dirty="0"/>
-          </a:p>
-        </p:txBody>
-      </p:sp>
-      <p:sp>
-        <p:nvSpPr>
-          <p:cNvPr id="3" name="Espace réservé de la date 2"/>
-          <p:cNvSpPr>
-            <a:spLocks noGrp="1"/>
-          </p:cNvSpPr>
-          <p:nvPr>
-            <p:ph type="dt" sz="half" idx="10"/>
-          </p:nvPr>
-        </p:nvSpPr>
-        <p:spPr/>
-        <p:txBody>
-          <a:bodyPr/>
-          <a:lstStyle/>
-          <a:p>
-            <a:r>
-              <a:rPr lang="fr-FR" smtClean="0"/>
-              <a:t>08/05/2017</a:t>
-            </a:r>
-            <a:endParaRPr lang="fr-FR"/>
-          </a:p>
-        </p:txBody>
-      </p:sp>
-      <p:sp>
-        <p:nvSpPr>
-          <p:cNvPr id="4" name="Espace réservé du numéro de diapositive 3"/>
-          <p:cNvSpPr>
-            <a:spLocks noGrp="1"/>
-          </p:cNvSpPr>
-          <p:nvPr>
-            <p:ph type="sldNum" sz="quarter" idx="12"/>
-          </p:nvPr>
-        </p:nvSpPr>
-        <p:spPr/>
-        <p:txBody>
-          <a:bodyPr/>
-          <a:lstStyle/>
-          <a:p>
-            <a:fld id="{C9355402-0690-4A79-A082-001A68712055}" type="slidenum">
-              <a:rPr lang="fr-FR" smtClean="0"/>
-              <a:t>23</a:t>
-            </a:fld>
-            <a:endParaRPr lang="fr-FR"/>
-          </a:p>
-        </p:txBody>
-      </p:sp>
-      <p:sp>
-        <p:nvSpPr>
-          <p:cNvPr id="5" name="ZoneTexte 4"/>
-          <p:cNvSpPr txBox="1"/>
-          <p:nvPr/>
-        </p:nvSpPr>
-        <p:spPr>
-          <a:xfrm>
-            <a:off x="838200" y="1964353"/>
-            <a:ext cx="10187763" cy="4893647"/>
-          </a:xfrm>
-          <a:prstGeom prst="rect">
-            <a:avLst/>
-          </a:prstGeom>
-          <a:noFill/>
-        </p:spPr>
-        <p:txBody>
-          <a:bodyPr wrap="square" rtlCol="0">
-            <a:spAutoFit/>
-          </a:bodyPr>
-          <a:lstStyle/>
-          <a:p>
-            <a:r>
-              <a:rPr lang="en-US" sz="2400" dirty="0" smtClean="0"/>
-              <a:t>From strong semantic coding standard to full functional correctness</a:t>
-            </a:r>
-          </a:p>
-          <a:p>
-            <a:endParaRPr lang="en-US" sz="2400" dirty="0" smtClean="0"/>
-          </a:p>
-          <a:p>
-            <a:r>
-              <a:rPr lang="en-US" sz="2400" dirty="0" smtClean="0"/>
-              <a:t>Every level implicitly builds on the lower levels</a:t>
-            </a:r>
-          </a:p>
-          <a:p>
-            <a:endParaRPr lang="en-US" sz="2400" dirty="0" smtClean="0"/>
-          </a:p>
-          <a:p>
-            <a:r>
-              <a:rPr lang="en-US" sz="2400" dirty="0" smtClean="0"/>
-              <a:t>Lower levels require lower costs/efforts</a:t>
-            </a:r>
-          </a:p>
-          <a:p>
-            <a:endParaRPr lang="en-US" sz="2400" dirty="0"/>
-          </a:p>
-          <a:p>
-            <a:r>
-              <a:rPr lang="en-US" sz="2400" dirty="0" smtClean="0"/>
-              <a:t>Good match from DAL/SIL to Bronze-Silver-Gold-Platinum</a:t>
-            </a:r>
-          </a:p>
-          <a:p>
-            <a:endParaRPr lang="en-US" sz="2400" dirty="0"/>
-          </a:p>
-          <a:p>
-            <a:r>
-              <a:rPr lang="en-US" sz="2400" dirty="0" smtClean="0"/>
-              <a:t>Adoption greatly facilitated by detailed level-specific guidance</a:t>
-            </a:r>
-          </a:p>
-          <a:p>
-            <a:endParaRPr lang="en-US" sz="2400" dirty="0"/>
-          </a:p>
-          <a:p>
-            <a:r>
-              <a:rPr lang="en-US" sz="2400" dirty="0" smtClean="0"/>
-              <a:t>Catchy names are easy to remember!</a:t>
-            </a:r>
-            <a:endParaRPr lang="en-US" sz="2400" dirty="0"/>
-          </a:p>
-          <a:p>
-            <a:endParaRPr lang="en-US" sz="2400" dirty="0" smtClean="0"/>
-          </a:p>
-          <a:p>
-            <a:endParaRPr lang="en-US" sz="2400" dirty="0"/>
-          </a:p>
-        </p:txBody>
-      </p:sp>
-    </p:spTree>
-    <p:extLst>
-      <p:ext uri="{BB962C8B-B14F-4D97-AF65-F5344CB8AC3E}">
-        <p14:creationId xmlns:p14="http://schemas.microsoft.com/office/powerpoint/2010/main" val="1691492100"/>
       </p:ext>
     </p:extLst>
   </p:cSld>
@@ -16253,6 +16534,193 @@
       </p:grpSpPr>
       <p:sp>
         <p:nvSpPr>
+          <p:cNvPr id="2" name="Titre 1"/>
+          <p:cNvSpPr>
+            <a:spLocks noGrp="1"/>
+          </p:cNvSpPr>
+          <p:nvPr>
+            <p:ph type="title"/>
+          </p:nvPr>
+        </p:nvSpPr>
+        <p:spPr/>
+        <p:txBody>
+          <a:bodyPr/>
+          <a:lstStyle/>
+          <a:p>
+            <a:r>
+              <a:rPr lang="en-US" dirty="0" smtClean="0"/>
+              <a:t>Levels of Software Assurance</a:t>
+            </a:r>
+            <a:endParaRPr lang="en-US" dirty="0"/>
+          </a:p>
+        </p:txBody>
+      </p:sp>
+      <p:sp>
+        <p:nvSpPr>
+          <p:cNvPr id="3" name="Espace réservé de la date 2"/>
+          <p:cNvSpPr>
+            <a:spLocks noGrp="1"/>
+          </p:cNvSpPr>
+          <p:nvPr>
+            <p:ph type="dt" sz="half" idx="10"/>
+          </p:nvPr>
+        </p:nvSpPr>
+        <p:spPr/>
+        <p:txBody>
+          <a:bodyPr/>
+          <a:lstStyle/>
+          <a:p>
+            <a:r>
+              <a:rPr lang="fr-FR" smtClean="0"/>
+              <a:t>08/05/2017</a:t>
+            </a:r>
+            <a:endParaRPr lang="fr-FR"/>
+          </a:p>
+        </p:txBody>
+      </p:sp>
+      <p:sp>
+        <p:nvSpPr>
+          <p:cNvPr id="4" name="Espace réservé du numéro de diapositive 3"/>
+          <p:cNvSpPr>
+            <a:spLocks noGrp="1"/>
+          </p:cNvSpPr>
+          <p:nvPr>
+            <p:ph type="sldNum" sz="quarter" idx="12"/>
+          </p:nvPr>
+        </p:nvSpPr>
+        <p:spPr/>
+        <p:txBody>
+          <a:bodyPr/>
+          <a:lstStyle/>
+          <a:p>
+            <a:fld id="{C9355402-0690-4A79-A082-001A68712055}" type="slidenum">
+              <a:rPr lang="fr-FR" smtClean="0"/>
+              <a:t>24</a:t>
+            </a:fld>
+            <a:endParaRPr lang="fr-FR"/>
+          </a:p>
+        </p:txBody>
+      </p:sp>
+      <p:sp>
+        <p:nvSpPr>
+          <p:cNvPr id="5" name="ZoneTexte 4"/>
+          <p:cNvSpPr txBox="1"/>
+          <p:nvPr/>
+        </p:nvSpPr>
+        <p:spPr>
+          <a:xfrm>
+            <a:off x="838200" y="1964353"/>
+            <a:ext cx="10187763" cy="4893647"/>
+          </a:xfrm>
+          <a:prstGeom prst="rect">
+            <a:avLst/>
+          </a:prstGeom>
+          <a:noFill/>
+        </p:spPr>
+        <p:txBody>
+          <a:bodyPr wrap="square" rtlCol="0">
+            <a:spAutoFit/>
+          </a:bodyPr>
+          <a:lstStyle/>
+          <a:p>
+            <a:r>
+              <a:rPr lang="en-US" sz="2400" dirty="0" smtClean="0"/>
+              <a:t>From strong semantic coding standard to full functional correctness</a:t>
+            </a:r>
+          </a:p>
+          <a:p>
+            <a:endParaRPr lang="en-US" sz="2400" dirty="0" smtClean="0"/>
+          </a:p>
+          <a:p>
+            <a:r>
+              <a:rPr lang="en-US" sz="2400" dirty="0" smtClean="0"/>
+              <a:t>Every level implicitly builds on the lower levels</a:t>
+            </a:r>
+          </a:p>
+          <a:p>
+            <a:endParaRPr lang="en-US" sz="2400" dirty="0" smtClean="0"/>
+          </a:p>
+          <a:p>
+            <a:r>
+              <a:rPr lang="en-US" sz="2400" dirty="0" smtClean="0"/>
+              <a:t>Lower levels require lower costs/efforts</a:t>
+            </a:r>
+          </a:p>
+          <a:p>
+            <a:endParaRPr lang="en-US" sz="2400" dirty="0"/>
+          </a:p>
+          <a:p>
+            <a:r>
+              <a:rPr lang="en-US" sz="2400" dirty="0" smtClean="0"/>
+              <a:t>Good match from DAL/SIL to Bronze-Silver-Gold-Platinum</a:t>
+            </a:r>
+          </a:p>
+          <a:p>
+            <a:endParaRPr lang="en-US" sz="2400" dirty="0"/>
+          </a:p>
+          <a:p>
+            <a:r>
+              <a:rPr lang="en-US" sz="2400" dirty="0" smtClean="0"/>
+              <a:t>Adoption greatly facilitated by detailed level-specific guidance</a:t>
+            </a:r>
+          </a:p>
+          <a:p>
+            <a:endParaRPr lang="en-US" sz="2400" dirty="0"/>
+          </a:p>
+          <a:p>
+            <a:r>
+              <a:rPr lang="en-US" sz="2400" dirty="0" smtClean="0"/>
+              <a:t>Catchy names are easy to remember!</a:t>
+            </a:r>
+            <a:endParaRPr lang="en-US" sz="2400" dirty="0"/>
+          </a:p>
+          <a:p>
+            <a:endParaRPr lang="en-US" sz="2400" dirty="0" smtClean="0"/>
+          </a:p>
+          <a:p>
+            <a:endParaRPr lang="en-US" sz="2400" dirty="0"/>
+          </a:p>
+        </p:txBody>
+      </p:sp>
+    </p:spTree>
+    <p:extLst>
+      <p:ext uri="{BB962C8B-B14F-4D97-AF65-F5344CB8AC3E}">
+        <p14:creationId xmlns:p14="http://schemas.microsoft.com/office/powerpoint/2010/main" val="1691492100"/>
+      </p:ext>
+    </p:extLst>
+  </p:cSld>
+  <p:clrMapOvr>
+    <a:masterClrMapping/>
+  </p:clrMapOvr>
+  <p:timing>
+    <p:tnLst>
+      <p:par>
+        <p:cTn id="1" dur="indefinite" restart="never" nodeType="tmRoot"/>
+      </p:par>
+    </p:tnLst>
+  </p:timing>
+</p:sld>
+</file>
+
+<file path=ppt/slides/slide25.xml><?xml version="1.0" encoding="utf-8"?>
+<p:sld xmlns:a="http://schemas.openxmlformats.org/drawingml/2006/main" xmlns:r="http://schemas.openxmlformats.org/officeDocument/2006/relationships" xmlns:p="http://schemas.openxmlformats.org/presentationml/2006/main">
+  <p:cSld>
+    <p:spTree>
+      <p:nvGrpSpPr>
+        <p:cNvPr id="1" name=""/>
+        <p:cNvGrpSpPr/>
+        <p:nvPr/>
+      </p:nvGrpSpPr>
+      <p:grpSpPr>
+        <a:xfrm>
+          <a:off x="0" y="0"/>
+          <a:ext cx="0" cy="0"/>
+          <a:chOff x="0" y="0"/>
+          <a:chExt cx="0" cy="0"/>
+        </a:xfrm>
+      </p:grpSpPr>
+      <p:sp>
+        <p:nvSpPr>
           <p:cNvPr id="6" name="Titre 5"/>
           <p:cNvSpPr>
             <a:spLocks noGrp="1"/>
@@ -16727,7 +17195,7 @@
             <a:fld id="{C9355402-0690-4A79-A082-001A68712055}" type="slidenum">
               <a:rPr lang="fr-FR" smtClean="0"/>
               <a:pPr/>
-              <a:t>24</a:t>
+              <a:t>25</a:t>
             </a:fld>
             <a:endParaRPr lang="fr-FR" dirty="0"/>
           </a:p>
@@ -17203,8 +17671,13 @@
           <a:p>
             <a:r>
               <a:rPr lang="en-US" sz="2400" dirty="0" smtClean="0"/>
-              <a:t>Forbids dangerous language features:</a:t>
-            </a:r>
+              <a:t>Forbids </a:t>
+            </a:r>
+            <a:r>
+              <a:rPr lang="en-US" sz="2400" dirty="0" smtClean="0"/>
+              <a:t>language features that make analysis difficult:</a:t>
+            </a:r>
+            <a:endParaRPr lang="en-US" sz="2400" dirty="0" smtClean="0"/>
           </a:p>
           <a:p>
             <a:pPr marL="742950" lvl="1" indent="-285750">
